--- a/Dynamic Programming [Autosaved].pptx
+++ b/Dynamic Programming [Autosaved].pptx
@@ -860,7 +860,7 @@
           </a:ln>
           <a:extLst>
             <a:ext uri="{C572A759-6A51-4108-AA02-DFA0A04FC94B}">
-              <ma14:wrappingTextBoxFlag xmlns="" xmlns:ma14="http://schemas.microsoft.com/office/mac/drawingml/2011/main" val="1"/>
+              <ma14:wrappingTextBoxFlag xmlns:ma14="http://schemas.microsoft.com/office/mac/drawingml/2011/main" xmlns="" val="1"/>
             </a:ext>
           </a:extLst>
         </p:spPr>
@@ -1003,7 +1003,7 @@
           </a:ln>
           <a:extLst>
             <a:ext uri="{C572A759-6A51-4108-AA02-DFA0A04FC94B}">
-              <ma14:wrappingTextBoxFlag xmlns="" xmlns:ma14="http://schemas.microsoft.com/office/mac/drawingml/2011/main" val="1"/>
+              <ma14:wrappingTextBoxFlag xmlns:ma14="http://schemas.microsoft.com/office/mac/drawingml/2011/main" xmlns="" val="1"/>
             </a:ext>
           </a:extLst>
         </p:spPr>
@@ -1054,7 +1054,7 @@
           </a:ln>
           <a:extLst>
             <a:ext uri="{C572A759-6A51-4108-AA02-DFA0A04FC94B}">
-              <ma14:wrappingTextBoxFlag xmlns="" xmlns:ma14="http://schemas.microsoft.com/office/mac/drawingml/2011/main" val="1"/>
+              <ma14:wrappingTextBoxFlag xmlns:ma14="http://schemas.microsoft.com/office/mac/drawingml/2011/main" xmlns="" val="1"/>
             </a:ext>
           </a:extLst>
         </p:spPr>
@@ -1243,7 +1243,7 @@
           </a:ln>
           <a:extLst>
             <a:ext uri="{C572A759-6A51-4108-AA02-DFA0A04FC94B}">
-              <ma14:wrappingTextBoxFlag xmlns="" xmlns:ma14="http://schemas.microsoft.com/office/mac/drawingml/2011/main" val="1"/>
+              <ma14:wrappingTextBoxFlag xmlns:ma14="http://schemas.microsoft.com/office/mac/drawingml/2011/main" xmlns="" val="1"/>
             </a:ext>
           </a:extLst>
         </p:spPr>
@@ -1327,7 +1327,7 @@
           </a:ln>
           <a:extLst>
             <a:ext uri="{C572A759-6A51-4108-AA02-DFA0A04FC94B}">
-              <ma14:wrappingTextBoxFlag xmlns="" xmlns:ma14="http://schemas.microsoft.com/office/mac/drawingml/2011/main" val="1"/>
+              <ma14:wrappingTextBoxFlag xmlns:ma14="http://schemas.microsoft.com/office/mac/drawingml/2011/main" xmlns="" val="1"/>
             </a:ext>
           </a:extLst>
         </p:spPr>
@@ -1966,7 +1966,7 @@
           </a:ln>
           <a:extLst>
             <a:ext uri="{C572A759-6A51-4108-AA02-DFA0A04FC94B}">
-              <ma14:wrappingTextBoxFlag xmlns="" xmlns:ma14="http://schemas.microsoft.com/office/mac/drawingml/2011/main" val="1"/>
+              <ma14:wrappingTextBoxFlag xmlns:ma14="http://schemas.microsoft.com/office/mac/drawingml/2011/main" xmlns="" val="1"/>
             </a:ext>
           </a:extLst>
         </p:spPr>
@@ -2006,7 +2006,7 @@
           </a:ln>
           <a:extLst>
             <a:ext uri="{C572A759-6A51-4108-AA02-DFA0A04FC94B}">
-              <ma14:wrappingTextBoxFlag xmlns="" xmlns:ma14="http://schemas.microsoft.com/office/mac/drawingml/2011/main" val="1"/>
+              <ma14:wrappingTextBoxFlag xmlns:ma14="http://schemas.microsoft.com/office/mac/drawingml/2011/main" xmlns="" val="1"/>
             </a:ext>
           </a:extLst>
         </p:spPr>
@@ -2842,8 +2842,8 @@
         </p:nvSpPr>
         <p:spPr>
           <a:xfrm>
-            <a:off x="4187686" y="4267107"/>
-            <a:ext cx="16465826" cy="5841214"/>
+            <a:off x="3959087" y="5120034"/>
+            <a:ext cx="16465826" cy="4651466"/>
           </a:xfrm>
           <a:prstGeom prst="rect">
             <a:avLst/>
@@ -2870,7 +2870,7 @@
               </a:defRPr>
             </a:pPr>
             <a:r>
-              <a:rPr lang="en-US" altLang="zh-CN" dirty="0"/>
+              <a:rPr lang="en-US" altLang="zh-CN" sz="8800" dirty="0"/>
               <a:t>Dynamic Programming</a:t>
             </a:r>
           </a:p>
@@ -2886,9 +2886,25 @@
               </a:defRPr>
             </a:pPr>
             <a:r>
-              <a:rPr lang="en-US" altLang="zh-CN" sz="4400" dirty="0"/>
-              <a:t>Algorithm</a:t>
+              <a:rPr lang="en-US" sz="5400" dirty="0">
+                <a:solidFill>
+                  <a:schemeClr val="bg1"/>
+                </a:solidFill>
+              </a:rPr>
+              <a:t>Ruichen Zhou</a:t>
             </a:r>
+          </a:p>
+          <a:p>
+            <a:pPr>
+              <a:lnSpc>
+                <a:spcPct val="130000"/>
+              </a:lnSpc>
+              <a:defRPr sz="9600">
+                <a:solidFill>
+                  <a:srgbClr val="FFFFFF"/>
+                </a:solidFill>
+              </a:defRPr>
+            </a:pPr>
             <a:endParaRPr lang="en-US" altLang="zh-CN" dirty="0"/>
           </a:p>
         </p:txBody>
@@ -3438,6 +3454,44 @@
           </a:p>
         </p:txBody>
       </p:sp>
+      <p:sp>
+        <p:nvSpPr>
+          <p:cNvPr id="13" name="Rectangle 12">
+            <a:extLst>
+              <a:ext uri="{FF2B5EF4-FFF2-40B4-BE49-F238E27FC236}">
+                <a16:creationId xmlns:a16="http://schemas.microsoft.com/office/drawing/2014/main" id="{9FFA31E6-F1D4-4509-BA0F-CD5006C6C5C3}"/>
+              </a:ext>
+            </a:extLst>
+          </p:cNvPr>
+          <p:cNvSpPr/>
+          <p:nvPr/>
+        </p:nvSpPr>
+        <p:spPr>
+          <a:xfrm>
+            <a:off x="11999478" y="12961719"/>
+            <a:ext cx="385042" cy="523220"/>
+          </a:xfrm>
+          <a:prstGeom prst="rect">
+            <a:avLst/>
+          </a:prstGeom>
+        </p:spPr>
+        <p:txBody>
+          <a:bodyPr wrap="none">
+            <a:spAutoFit/>
+          </a:bodyPr>
+          <a:lstStyle/>
+          <a:p>
+            <a:r>
+              <a:rPr lang="en-US" sz="2800" dirty="0">
+                <a:solidFill>
+                  <a:schemeClr val="bg1"/>
+                </a:solidFill>
+              </a:rPr>
+              <a:t>9</a:t>
+            </a:r>
+          </a:p>
+        </p:txBody>
+      </p:sp>
     </p:spTree>
     <p:extLst>
       <p:ext uri="{BB962C8B-B14F-4D97-AF65-F5344CB8AC3E}">
@@ -3870,6 +3924,44 @@
           </a:p>
         </p:txBody>
       </p:sp>
+      <p:sp>
+        <p:nvSpPr>
+          <p:cNvPr id="4" name="Rectangle 3">
+            <a:extLst>
+              <a:ext uri="{FF2B5EF4-FFF2-40B4-BE49-F238E27FC236}">
+                <a16:creationId xmlns:a16="http://schemas.microsoft.com/office/drawing/2014/main" id="{395A2401-D27E-4AE2-A483-A5CBD40B5D02}"/>
+              </a:ext>
+            </a:extLst>
+          </p:cNvPr>
+          <p:cNvSpPr/>
+          <p:nvPr/>
+        </p:nvSpPr>
+        <p:spPr>
+          <a:xfrm>
+            <a:off x="11899290" y="12961719"/>
+            <a:ext cx="585418" cy="523220"/>
+          </a:xfrm>
+          <a:prstGeom prst="rect">
+            <a:avLst/>
+          </a:prstGeom>
+        </p:spPr>
+        <p:txBody>
+          <a:bodyPr wrap="none">
+            <a:spAutoFit/>
+          </a:bodyPr>
+          <a:lstStyle/>
+          <a:p>
+            <a:r>
+              <a:rPr lang="en-US" sz="2800" dirty="0">
+                <a:solidFill>
+                  <a:schemeClr val="bg1"/>
+                </a:solidFill>
+              </a:rPr>
+              <a:t>10</a:t>
+            </a:r>
+          </a:p>
+        </p:txBody>
+      </p:sp>
     </p:spTree>
     <p:extLst>
       <p:ext uri="{BB962C8B-B14F-4D97-AF65-F5344CB8AC3E}">
@@ -3974,6 +4066,44 @@
             <a:r>
               <a:rPr lang="en-US" dirty="0"/>
               <a:t>Time: O(m*n)    Space: O(m)</a:t>
+            </a:r>
+          </a:p>
+        </p:txBody>
+      </p:sp>
+      <p:sp>
+        <p:nvSpPr>
+          <p:cNvPr id="5" name="Rectangle 4">
+            <a:extLst>
+              <a:ext uri="{FF2B5EF4-FFF2-40B4-BE49-F238E27FC236}">
+                <a16:creationId xmlns:a16="http://schemas.microsoft.com/office/drawing/2014/main" id="{19D651EA-B159-460A-A8B5-3A98C33486ED}"/>
+              </a:ext>
+            </a:extLst>
+          </p:cNvPr>
+          <p:cNvSpPr/>
+          <p:nvPr/>
+        </p:nvSpPr>
+        <p:spPr>
+          <a:xfrm>
+            <a:off x="11899290" y="12961719"/>
+            <a:ext cx="585418" cy="523220"/>
+          </a:xfrm>
+          <a:prstGeom prst="rect">
+            <a:avLst/>
+          </a:prstGeom>
+        </p:spPr>
+        <p:txBody>
+          <a:bodyPr wrap="none">
+            <a:spAutoFit/>
+          </a:bodyPr>
+          <a:lstStyle/>
+          <a:p>
+            <a:r>
+              <a:rPr lang="en-US" sz="2800" dirty="0">
+                <a:solidFill>
+                  <a:schemeClr val="bg1"/>
+                </a:solidFill>
+              </a:rPr>
+              <a:t>11</a:t>
             </a:r>
           </a:p>
         </p:txBody>
@@ -4233,6 +4363,44 @@
           </a:p>
         </p:txBody>
       </p:sp>
+      <p:sp>
+        <p:nvSpPr>
+          <p:cNvPr id="6" name="Rectangle 5">
+            <a:extLst>
+              <a:ext uri="{FF2B5EF4-FFF2-40B4-BE49-F238E27FC236}">
+                <a16:creationId xmlns:a16="http://schemas.microsoft.com/office/drawing/2014/main" id="{350DE114-C7F6-4678-B84B-A0257C692EB0}"/>
+              </a:ext>
+            </a:extLst>
+          </p:cNvPr>
+          <p:cNvSpPr/>
+          <p:nvPr/>
+        </p:nvSpPr>
+        <p:spPr>
+          <a:xfrm>
+            <a:off x="11899290" y="12961719"/>
+            <a:ext cx="585418" cy="523220"/>
+          </a:xfrm>
+          <a:prstGeom prst="rect">
+            <a:avLst/>
+          </a:prstGeom>
+        </p:spPr>
+        <p:txBody>
+          <a:bodyPr wrap="none">
+            <a:spAutoFit/>
+          </a:bodyPr>
+          <a:lstStyle/>
+          <a:p>
+            <a:r>
+              <a:rPr lang="en-US" sz="2800" dirty="0">
+                <a:solidFill>
+                  <a:schemeClr val="bg1"/>
+                </a:solidFill>
+              </a:rPr>
+              <a:t>12</a:t>
+            </a:r>
+          </a:p>
+        </p:txBody>
+      </p:sp>
     </p:spTree>
     <p:extLst>
       <p:ext uri="{BB962C8B-B14F-4D97-AF65-F5344CB8AC3E}">
@@ -4327,6 +4495,44 @@
           </a:prstGeom>
         </p:spPr>
       </p:pic>
+      <p:sp>
+        <p:nvSpPr>
+          <p:cNvPr id="5" name="Rectangle 4">
+            <a:extLst>
+              <a:ext uri="{FF2B5EF4-FFF2-40B4-BE49-F238E27FC236}">
+                <a16:creationId xmlns:a16="http://schemas.microsoft.com/office/drawing/2014/main" id="{7081B5F6-490E-45EA-ACD9-5BB1A9D543AE}"/>
+              </a:ext>
+            </a:extLst>
+          </p:cNvPr>
+          <p:cNvSpPr/>
+          <p:nvPr/>
+        </p:nvSpPr>
+        <p:spPr>
+          <a:xfrm>
+            <a:off x="11899290" y="12961719"/>
+            <a:ext cx="585418" cy="523220"/>
+          </a:xfrm>
+          <a:prstGeom prst="rect">
+            <a:avLst/>
+          </a:prstGeom>
+        </p:spPr>
+        <p:txBody>
+          <a:bodyPr wrap="none">
+            <a:spAutoFit/>
+          </a:bodyPr>
+          <a:lstStyle/>
+          <a:p>
+            <a:r>
+              <a:rPr lang="en-US" sz="2800" dirty="0">
+                <a:solidFill>
+                  <a:schemeClr val="bg1"/>
+                </a:solidFill>
+              </a:rPr>
+              <a:t>13</a:t>
+            </a:r>
+          </a:p>
+        </p:txBody>
+      </p:sp>
     </p:spTree>
     <p:extLst>
       <p:ext uri="{BB962C8B-B14F-4D97-AF65-F5344CB8AC3E}">
@@ -4465,7 +4671,7 @@
         <p:dissolve/>
       </p:transition>
     </mc:Choice>
-    <mc:Fallback xmlns:a14="http://schemas.microsoft.com/office/drawing/2010/main" xmlns:m="http://schemas.openxmlformats.org/officeDocument/2006/math" xmlns="">
+    <mc:Fallback xmlns="" xmlns:m="http://schemas.openxmlformats.org/officeDocument/2006/math" xmlns:a14="http://schemas.microsoft.com/office/drawing/2010/main">
       <p:transition spd="slow">
         <p:fade/>
       </p:transition>
@@ -4554,6 +4760,88 @@
               <a:t>记住求过的解来节省时间</a:t>
             </a:r>
             <a:endParaRPr lang="en-US" dirty="0"/>
+          </a:p>
+        </p:txBody>
+      </p:sp>
+      <p:sp>
+        <p:nvSpPr>
+          <p:cNvPr id="4" name="TextBox 3">
+            <a:extLst>
+              <a:ext uri="{FF2B5EF4-FFF2-40B4-BE49-F238E27FC236}">
+                <a16:creationId xmlns:a16="http://schemas.microsoft.com/office/drawing/2014/main" id="{DA7635AC-DAE5-4A64-9309-CF13C517550A}"/>
+              </a:ext>
+            </a:extLst>
+          </p:cNvPr>
+          <p:cNvSpPr txBox="1"/>
+          <p:nvPr/>
+        </p:nvSpPr>
+        <p:spPr>
+          <a:xfrm>
+            <a:off x="12040516" y="12966097"/>
+            <a:ext cx="302967" cy="533479"/>
+          </a:xfrm>
+          <a:prstGeom prst="rect">
+            <a:avLst/>
+          </a:prstGeom>
+          <a:noFill/>
+          <a:ln w="12700" cap="flat">
+            <a:noFill/>
+            <a:miter lim="400000"/>
+          </a:ln>
+          <a:effectLst/>
+          <a:sp3d/>
+        </p:spPr>
+        <p:style>
+          <a:lnRef idx="0">
+            <a:scrgbClr r="0" g="0" b="0"/>
+          </a:lnRef>
+          <a:fillRef idx="0">
+            <a:scrgbClr r="0" g="0" b="0"/>
+          </a:fillRef>
+          <a:effectRef idx="0">
+            <a:scrgbClr r="0" g="0" b="0"/>
+          </a:effectRef>
+          <a:fontRef idx="none"/>
+        </p:style>
+        <p:txBody>
+          <a:bodyPr rot="0" spcFirstLastPara="1" vertOverflow="overflow" horzOverflow="overflow" vert="horz" wrap="none" lIns="50800" tIns="50800" rIns="50800" bIns="50800" numCol="1" spcCol="38100" rtlCol="0" anchor="ctr">
+            <a:spAutoFit/>
+          </a:bodyPr>
+          <a:lstStyle/>
+          <a:p>
+            <a:pPr marL="0" marR="0" indent="0" algn="ctr" defTabSz="825500" rtl="0" fontAlgn="auto" latinLnBrk="0" hangingPunct="0">
+              <a:lnSpc>
+                <a:spcPct val="100000"/>
+              </a:lnSpc>
+              <a:spcBef>
+                <a:spcPts val="0"/>
+              </a:spcBef>
+              <a:spcAft>
+                <a:spcPts val="0"/>
+              </a:spcAft>
+              <a:buClrTx/>
+              <a:buSzTx/>
+              <a:buFontTx/>
+              <a:buNone/>
+              <a:tabLst/>
+            </a:pPr>
+            <a:r>
+              <a:rPr kumimoji="0" lang="en-US" sz="2800" b="0" i="0" u="none" strike="noStrike" cap="none" spc="0" normalizeH="0" baseline="0" dirty="0">
+                <a:ln>
+                  <a:noFill/>
+                </a:ln>
+                <a:solidFill>
+                  <a:schemeClr val="bg1"/>
+                </a:solidFill>
+                <a:effectLst/>
+                <a:uFillTx/>
+                <a:latin typeface="+mn-lt"/>
+                <a:ea typeface="+mn-ea"/>
+                <a:cs typeface="+mn-cs"/>
+                <a:sym typeface="Helvetica Light"/>
+              </a:rPr>
+              <a:t>1</a:t>
+            </a:r>
           </a:p>
         </p:txBody>
       </p:sp>
@@ -4705,9 +4993,6 @@
           <a:bodyPr/>
           <a:lstStyle/>
           <a:p>
-            <a:pPr marL="0" indent="0">
-              <a:buNone/>
-            </a:pPr>
             <a:r>
               <a:rPr lang="en-US" dirty="0"/>
               <a:t>Dynamic Programming is mainly an optimization over plain </a:t>
@@ -4724,9 +5009,6 @@
             </a:r>
           </a:p>
           <a:p>
-            <a:pPr marL="0" indent="0">
-              <a:buNone/>
-            </a:pPr>
             <a:r>
               <a:rPr lang="zh-CN" altLang="en-US" dirty="0"/>
               <a:t>适用于有重叠子问题和最优子结构性质的问题</a:t>
@@ -4771,6 +5053,44 @@
           </a:p>
         </p:txBody>
       </p:sp>
+      <p:sp>
+        <p:nvSpPr>
+          <p:cNvPr id="3" name="Rectangle 2">
+            <a:extLst>
+              <a:ext uri="{FF2B5EF4-FFF2-40B4-BE49-F238E27FC236}">
+                <a16:creationId xmlns:a16="http://schemas.microsoft.com/office/drawing/2014/main" id="{2B64B19C-2878-43E6-961A-748021FDDAD5}"/>
+              </a:ext>
+            </a:extLst>
+          </p:cNvPr>
+          <p:cNvSpPr/>
+          <p:nvPr/>
+        </p:nvSpPr>
+        <p:spPr>
+          <a:xfrm>
+            <a:off x="11999478" y="12961719"/>
+            <a:ext cx="385042" cy="523220"/>
+          </a:xfrm>
+          <a:prstGeom prst="rect">
+            <a:avLst/>
+          </a:prstGeom>
+        </p:spPr>
+        <p:txBody>
+          <a:bodyPr wrap="none">
+            <a:spAutoFit/>
+          </a:bodyPr>
+          <a:lstStyle/>
+          <a:p>
+            <a:r>
+              <a:rPr lang="en-US" sz="2800" dirty="0">
+                <a:solidFill>
+                  <a:schemeClr val="bg1"/>
+                </a:solidFill>
+              </a:rPr>
+              <a:t>2</a:t>
+            </a:r>
+          </a:p>
+        </p:txBody>
+      </p:sp>
     </p:spTree>
   </p:cSld>
   <p:clrMapOvr>
@@ -4782,7 +5102,7 @@
         <p:dissolve/>
       </p:transition>
     </mc:Choice>
-    <mc:Fallback xmlns:a14="http://schemas.microsoft.com/office/drawing/2010/main" xmlns:m="http://schemas.openxmlformats.org/officeDocument/2006/math" xmlns="">
+    <mc:Fallback xmlns="" xmlns:m="http://schemas.openxmlformats.org/officeDocument/2006/math" xmlns:a14="http://schemas.microsoft.com/office/drawing/2010/main">
       <p:transition spd="med">
         <p:fade/>
       </p:transition>
@@ -4944,7 +5264,7 @@
         </p:nvSpPr>
         <p:spPr>
           <a:xfrm>
-            <a:off x="3172296" y="11713996"/>
+            <a:off x="3007479" y="9239738"/>
             <a:ext cx="18270547" cy="902811"/>
           </a:xfrm>
           <a:prstGeom prst="rect">
@@ -5021,8 +5341,8 @@
         </p:nvSpPr>
         <p:spPr>
           <a:xfrm>
-            <a:off x="4893973" y="4236512"/>
-            <a:ext cx="14497560" cy="1703030"/>
+            <a:off x="4893974" y="3436294"/>
+            <a:ext cx="14497558" cy="3303468"/>
           </a:xfrm>
           <a:prstGeom prst="rect">
             <a:avLst/>
@@ -5072,6 +5392,46 @@
               <a:t>0, 1, 1, 2, 3, 5, 8, 13, 21, 34, ...</a:t>
             </a:r>
           </a:p>
+          <a:p>
+            <a:r>
+              <a:rPr lang="en-US" sz="5200" dirty="0">
+                <a:solidFill>
+                  <a:schemeClr val="bg1"/>
+                </a:solidFill>
+              </a:rPr>
+              <a:t>What is X</a:t>
+            </a:r>
+            <a:r>
+              <a:rPr lang="en-US" sz="5200" dirty="0">
+                <a:solidFill>
+                  <a:schemeClr val="bg1"/>
+                </a:solidFill>
+                <a:latin typeface="Times New Roman" panose="02020603050405020304" pitchFamily="18" charset="0"/>
+                <a:cs typeface="Times New Roman" panose="02020603050405020304" pitchFamily="18" charset="0"/>
+              </a:rPr>
+              <a:t>ₙ</a:t>
+            </a:r>
+            <a:r>
+              <a:rPr lang="en-US" sz="5200" dirty="0">
+                <a:solidFill>
+                  <a:schemeClr val="bg1"/>
+                </a:solidFill>
+              </a:rPr>
+              <a:t> given value of n?</a:t>
+            </a:r>
+            <a:endParaRPr lang="en-US" dirty="0">
+              <a:solidFill>
+                <a:schemeClr val="bg1"/>
+              </a:solidFill>
+            </a:endParaRPr>
+          </a:p>
+          <a:p>
+            <a:endParaRPr lang="en-US" sz="5200" dirty="0">
+              <a:solidFill>
+                <a:schemeClr val="bg1"/>
+              </a:solidFill>
+            </a:endParaRPr>
+          </a:p>
         </p:txBody>
       </p:sp>
       <p:pic>
@@ -5104,6 +5464,44 @@
           </a:prstGeom>
         </p:spPr>
       </p:pic>
+      <p:sp>
+        <p:nvSpPr>
+          <p:cNvPr id="7" name="Rectangle 6">
+            <a:extLst>
+              <a:ext uri="{FF2B5EF4-FFF2-40B4-BE49-F238E27FC236}">
+                <a16:creationId xmlns:a16="http://schemas.microsoft.com/office/drawing/2014/main" id="{22F52B38-471A-40B9-808B-8B3E1C3A5ACC}"/>
+              </a:ext>
+            </a:extLst>
+          </p:cNvPr>
+          <p:cNvSpPr/>
+          <p:nvPr/>
+        </p:nvSpPr>
+        <p:spPr>
+          <a:xfrm>
+            <a:off x="11999478" y="12961719"/>
+            <a:ext cx="385042" cy="523220"/>
+          </a:xfrm>
+          <a:prstGeom prst="rect">
+            <a:avLst/>
+          </a:prstGeom>
+        </p:spPr>
+        <p:txBody>
+          <a:bodyPr wrap="none">
+            <a:spAutoFit/>
+          </a:bodyPr>
+          <a:lstStyle/>
+          <a:p>
+            <a:r>
+              <a:rPr lang="en-US" sz="2800" dirty="0">
+                <a:solidFill>
+                  <a:schemeClr val="bg1"/>
+                </a:solidFill>
+              </a:rPr>
+              <a:t>3</a:t>
+            </a:r>
+          </a:p>
+        </p:txBody>
+      </p:sp>
     </p:spTree>
     <p:extLst>
       <p:ext uri="{BB962C8B-B14F-4D97-AF65-F5344CB8AC3E}">
@@ -5159,7 +5557,7 @@
         </p:blipFill>
         <p:spPr>
           <a:xfrm>
-            <a:off x="2860703" y="5170614"/>
+            <a:off x="3106592" y="5170614"/>
             <a:ext cx="8448675" cy="4581525"/>
           </a:xfrm>
           <a:prstGeom prst="rect">
@@ -5189,7 +5587,7 @@
         </p:blipFill>
         <p:spPr>
           <a:xfrm>
-            <a:off x="15187698" y="5170614"/>
+            <a:off x="14572975" y="5170614"/>
             <a:ext cx="7893149" cy="3896618"/>
           </a:xfrm>
           <a:prstGeom prst="rect">
@@ -5200,7 +5598,7 @@
           </a:ln>
           <a:extLst>
             <a:ext uri="{C572A759-6A51-4108-AA02-DFA0A04FC94B}">
-              <ma14:wrappingTextBoxFlag xmlns="" xmlns:ma14="http://schemas.microsoft.com/office/mac/drawingml/2011/main" val="1"/>
+              <ma14:wrappingTextBoxFlag xmlns:ma14="http://schemas.microsoft.com/office/mac/drawingml/2011/main" xmlns="" val="1"/>
             </a:ext>
           </a:extLst>
         </p:spPr>
@@ -5288,6 +5686,44 @@
                 <a:schemeClr val="bg1"/>
               </a:solidFill>
             </a:endParaRPr>
+          </a:p>
+        </p:txBody>
+      </p:sp>
+      <p:sp>
+        <p:nvSpPr>
+          <p:cNvPr id="7" name="Rectangle 6">
+            <a:extLst>
+              <a:ext uri="{FF2B5EF4-FFF2-40B4-BE49-F238E27FC236}">
+                <a16:creationId xmlns:a16="http://schemas.microsoft.com/office/drawing/2014/main" id="{E7518351-3D0F-42F3-A73E-C5BCA03BD1DA}"/>
+              </a:ext>
+            </a:extLst>
+          </p:cNvPr>
+          <p:cNvSpPr/>
+          <p:nvPr/>
+        </p:nvSpPr>
+        <p:spPr>
+          <a:xfrm>
+            <a:off x="11999478" y="12961719"/>
+            <a:ext cx="385042" cy="523220"/>
+          </a:xfrm>
+          <a:prstGeom prst="rect">
+            <a:avLst/>
+          </a:prstGeom>
+        </p:spPr>
+        <p:txBody>
+          <a:bodyPr wrap="none">
+            <a:spAutoFit/>
+          </a:bodyPr>
+          <a:lstStyle/>
+          <a:p>
+            <a:r>
+              <a:rPr lang="en-US" sz="2800" dirty="0">
+                <a:solidFill>
+                  <a:schemeClr val="bg1"/>
+                </a:solidFill>
+              </a:rPr>
+              <a:t>4</a:t>
+            </a:r>
           </a:p>
         </p:txBody>
       </p:sp>
@@ -5552,6 +5988,44 @@
           </a:prstGeom>
         </p:spPr>
       </p:pic>
+      <p:sp>
+        <p:nvSpPr>
+          <p:cNvPr id="6" name="Rectangle 5">
+            <a:extLst>
+              <a:ext uri="{FF2B5EF4-FFF2-40B4-BE49-F238E27FC236}">
+                <a16:creationId xmlns:a16="http://schemas.microsoft.com/office/drawing/2014/main" id="{CFDE275F-C02C-4C09-B837-DB793970B82C}"/>
+              </a:ext>
+            </a:extLst>
+          </p:cNvPr>
+          <p:cNvSpPr/>
+          <p:nvPr/>
+        </p:nvSpPr>
+        <p:spPr>
+          <a:xfrm>
+            <a:off x="11999478" y="12961719"/>
+            <a:ext cx="385042" cy="523220"/>
+          </a:xfrm>
+          <a:prstGeom prst="rect">
+            <a:avLst/>
+          </a:prstGeom>
+        </p:spPr>
+        <p:txBody>
+          <a:bodyPr wrap="none">
+            <a:spAutoFit/>
+          </a:bodyPr>
+          <a:lstStyle/>
+          <a:p>
+            <a:r>
+              <a:rPr lang="en-US" sz="2800" dirty="0">
+                <a:solidFill>
+                  <a:schemeClr val="bg1"/>
+                </a:solidFill>
+              </a:rPr>
+              <a:t>5</a:t>
+            </a:r>
+          </a:p>
+        </p:txBody>
+      </p:sp>
     </p:spTree>
     <p:extLst>
       <p:ext uri="{BB962C8B-B14F-4D97-AF65-F5344CB8AC3E}">
@@ -5830,6 +6304,44 @@
           </a:prstGeom>
         </p:spPr>
       </p:pic>
+      <p:sp>
+        <p:nvSpPr>
+          <p:cNvPr id="5" name="Rectangle 4">
+            <a:extLst>
+              <a:ext uri="{FF2B5EF4-FFF2-40B4-BE49-F238E27FC236}">
+                <a16:creationId xmlns:a16="http://schemas.microsoft.com/office/drawing/2014/main" id="{37CE8ACB-FA1F-44BE-99B4-3049ED666A19}"/>
+              </a:ext>
+            </a:extLst>
+          </p:cNvPr>
+          <p:cNvSpPr/>
+          <p:nvPr/>
+        </p:nvSpPr>
+        <p:spPr>
+          <a:xfrm>
+            <a:off x="11999478" y="12961719"/>
+            <a:ext cx="385042" cy="523220"/>
+          </a:xfrm>
+          <a:prstGeom prst="rect">
+            <a:avLst/>
+          </a:prstGeom>
+        </p:spPr>
+        <p:txBody>
+          <a:bodyPr wrap="none">
+            <a:spAutoFit/>
+          </a:bodyPr>
+          <a:lstStyle/>
+          <a:p>
+            <a:r>
+              <a:rPr lang="en-US" sz="2800" dirty="0">
+                <a:solidFill>
+                  <a:schemeClr val="bg1"/>
+                </a:solidFill>
+              </a:rPr>
+              <a:t>6</a:t>
+            </a:r>
+          </a:p>
+        </p:txBody>
+      </p:sp>
     </p:spTree>
     <p:extLst>
       <p:ext uri="{BB962C8B-B14F-4D97-AF65-F5344CB8AC3E}">
@@ -7065,6 +7577,44 @@
           </a:p>
         </p:txBody>
       </p:sp>
+      <p:sp>
+        <p:nvSpPr>
+          <p:cNvPr id="6" name="Rectangle 5">
+            <a:extLst>
+              <a:ext uri="{FF2B5EF4-FFF2-40B4-BE49-F238E27FC236}">
+                <a16:creationId xmlns:a16="http://schemas.microsoft.com/office/drawing/2014/main" id="{9B30FC2D-2DD5-40CC-8608-4EB2D3DBA95B}"/>
+              </a:ext>
+            </a:extLst>
+          </p:cNvPr>
+          <p:cNvSpPr/>
+          <p:nvPr/>
+        </p:nvSpPr>
+        <p:spPr>
+          <a:xfrm>
+            <a:off x="11999478" y="12961719"/>
+            <a:ext cx="385041" cy="523220"/>
+          </a:xfrm>
+          <a:prstGeom prst="rect">
+            <a:avLst/>
+          </a:prstGeom>
+        </p:spPr>
+        <p:txBody>
+          <a:bodyPr wrap="none">
+            <a:spAutoFit/>
+          </a:bodyPr>
+          <a:lstStyle/>
+          <a:p>
+            <a:r>
+              <a:rPr lang="en-US" sz="2800" dirty="0">
+                <a:solidFill>
+                  <a:schemeClr val="bg1"/>
+                </a:solidFill>
+              </a:rPr>
+              <a:t>7</a:t>
+            </a:r>
+          </a:p>
+        </p:txBody>
+      </p:sp>
     </p:spTree>
     <p:extLst>
       <p:ext uri="{BB962C8B-B14F-4D97-AF65-F5344CB8AC3E}">
@@ -7076,6 +7626,226 @@
     <a:masterClrMapping/>
   </p:clrMapOvr>
   <p:transition spd="med"/>
+  <p:timing>
+    <p:tnLst>
+      <p:par>
+        <p:cTn id="1" dur="indefinite" restart="never" nodeType="tmRoot">
+          <p:childTnLst>
+            <p:seq concurrent="1" nextAc="seek">
+              <p:cTn id="2" dur="indefinite" nodeType="mainSeq">
+                <p:childTnLst>
+                  <p:par>
+                    <p:cTn id="3" fill="hold">
+                      <p:stCondLst>
+                        <p:cond delay="indefinite"/>
+                      </p:stCondLst>
+                      <p:childTnLst>
+                        <p:par>
+                          <p:cTn id="4" fill="hold">
+                            <p:stCondLst>
+                              <p:cond delay="0"/>
+                            </p:stCondLst>
+                            <p:childTnLst>
+                              <p:par>
+                                <p:cTn id="5" presetID="14" presetClass="entr" presetSubtype="10" fill="hold" nodeType="clickEffect">
+                                  <p:stCondLst>
+                                    <p:cond delay="0"/>
+                                  </p:stCondLst>
+                                  <p:childTnLst>
+                                    <p:set>
+                                      <p:cBhvr>
+                                        <p:cTn id="6" dur="1" fill="hold">
+                                          <p:stCondLst>
+                                            <p:cond delay="0"/>
+                                          </p:stCondLst>
+                                        </p:cTn>
+                                        <p:tgtEl>
+                                          <p:spTgt spid="17">
+                                            <p:txEl>
+                                              <p:pRg st="0" end="0"/>
+                                            </p:txEl>
+                                          </p:spTgt>
+                                        </p:tgtEl>
+                                        <p:attrNameLst>
+                                          <p:attrName>style.visibility</p:attrName>
+                                        </p:attrNameLst>
+                                      </p:cBhvr>
+                                      <p:to>
+                                        <p:strVal val="visible"/>
+                                      </p:to>
+                                    </p:set>
+                                    <p:animEffect transition="in" filter="randombar(horizontal)">
+                                      <p:cBhvr>
+                                        <p:cTn id="7" dur="500"/>
+                                        <p:tgtEl>
+                                          <p:spTgt spid="17">
+                                            <p:txEl>
+                                              <p:pRg st="0" end="0"/>
+                                            </p:txEl>
+                                          </p:spTgt>
+                                        </p:tgtEl>
+                                      </p:cBhvr>
+                                    </p:animEffect>
+                                  </p:childTnLst>
+                                </p:cTn>
+                              </p:par>
+                              <p:par>
+                                <p:cTn id="8" presetID="14" presetClass="entr" presetSubtype="10" fill="hold" nodeType="withEffect">
+                                  <p:stCondLst>
+                                    <p:cond delay="0"/>
+                                  </p:stCondLst>
+                                  <p:childTnLst>
+                                    <p:set>
+                                      <p:cBhvr>
+                                        <p:cTn id="9" dur="1" fill="hold">
+                                          <p:stCondLst>
+                                            <p:cond delay="0"/>
+                                          </p:stCondLst>
+                                        </p:cTn>
+                                        <p:tgtEl>
+                                          <p:spTgt spid="17">
+                                            <p:txEl>
+                                              <p:pRg st="1" end="1"/>
+                                            </p:txEl>
+                                          </p:spTgt>
+                                        </p:tgtEl>
+                                        <p:attrNameLst>
+                                          <p:attrName>style.visibility</p:attrName>
+                                        </p:attrNameLst>
+                                      </p:cBhvr>
+                                      <p:to>
+                                        <p:strVal val="visible"/>
+                                      </p:to>
+                                    </p:set>
+                                    <p:animEffect transition="in" filter="randombar(horizontal)">
+                                      <p:cBhvr>
+                                        <p:cTn id="10" dur="500"/>
+                                        <p:tgtEl>
+                                          <p:spTgt spid="17">
+                                            <p:txEl>
+                                              <p:pRg st="1" end="1"/>
+                                            </p:txEl>
+                                          </p:spTgt>
+                                        </p:tgtEl>
+                                      </p:cBhvr>
+                                    </p:animEffect>
+                                  </p:childTnLst>
+                                </p:cTn>
+                              </p:par>
+                              <p:par>
+                                <p:cTn id="11" presetID="14" presetClass="entr" presetSubtype="10" fill="hold" nodeType="withEffect">
+                                  <p:stCondLst>
+                                    <p:cond delay="0"/>
+                                  </p:stCondLst>
+                                  <p:childTnLst>
+                                    <p:set>
+                                      <p:cBhvr>
+                                        <p:cTn id="12" dur="1" fill="hold">
+                                          <p:stCondLst>
+                                            <p:cond delay="0"/>
+                                          </p:stCondLst>
+                                        </p:cTn>
+                                        <p:tgtEl>
+                                          <p:spTgt spid="17">
+                                            <p:txEl>
+                                              <p:pRg st="2" end="2"/>
+                                            </p:txEl>
+                                          </p:spTgt>
+                                        </p:tgtEl>
+                                        <p:attrNameLst>
+                                          <p:attrName>style.visibility</p:attrName>
+                                        </p:attrNameLst>
+                                      </p:cBhvr>
+                                      <p:to>
+                                        <p:strVal val="visible"/>
+                                      </p:to>
+                                    </p:set>
+                                    <p:animEffect transition="in" filter="randombar(horizontal)">
+                                      <p:cBhvr>
+                                        <p:cTn id="13" dur="500"/>
+                                        <p:tgtEl>
+                                          <p:spTgt spid="17">
+                                            <p:txEl>
+                                              <p:pRg st="2" end="2"/>
+                                            </p:txEl>
+                                          </p:spTgt>
+                                        </p:tgtEl>
+                                      </p:cBhvr>
+                                    </p:animEffect>
+                                  </p:childTnLst>
+                                </p:cTn>
+                              </p:par>
+                              <p:par>
+                                <p:cTn id="14" presetID="14" presetClass="entr" presetSubtype="10" fill="hold" nodeType="withEffect">
+                                  <p:stCondLst>
+                                    <p:cond delay="0"/>
+                                  </p:stCondLst>
+                                  <p:childTnLst>
+                                    <p:set>
+                                      <p:cBhvr>
+                                        <p:cTn id="15" dur="1" fill="hold">
+                                          <p:stCondLst>
+                                            <p:cond delay="0"/>
+                                          </p:stCondLst>
+                                        </p:cTn>
+                                        <p:tgtEl>
+                                          <p:spTgt spid="17">
+                                            <p:txEl>
+                                              <p:pRg st="3" end="3"/>
+                                            </p:txEl>
+                                          </p:spTgt>
+                                        </p:tgtEl>
+                                        <p:attrNameLst>
+                                          <p:attrName>style.visibility</p:attrName>
+                                        </p:attrNameLst>
+                                      </p:cBhvr>
+                                      <p:to>
+                                        <p:strVal val="visible"/>
+                                      </p:to>
+                                    </p:set>
+                                    <p:animEffect transition="in" filter="randombar(horizontal)">
+                                      <p:cBhvr>
+                                        <p:cTn id="16" dur="500"/>
+                                        <p:tgtEl>
+                                          <p:spTgt spid="17">
+                                            <p:txEl>
+                                              <p:pRg st="3" end="3"/>
+                                            </p:txEl>
+                                          </p:spTgt>
+                                        </p:tgtEl>
+                                      </p:cBhvr>
+                                    </p:animEffect>
+                                  </p:childTnLst>
+                                </p:cTn>
+                              </p:par>
+                            </p:childTnLst>
+                          </p:cTn>
+                        </p:par>
+                      </p:childTnLst>
+                    </p:cTn>
+                  </p:par>
+                </p:childTnLst>
+              </p:cTn>
+              <p:prevCondLst>
+                <p:cond evt="onPrev" delay="0">
+                  <p:tgtEl>
+                    <p:sldTgt/>
+                  </p:tgtEl>
+                </p:cond>
+              </p:prevCondLst>
+              <p:nextCondLst>
+                <p:cond evt="onNext" delay="0">
+                  <p:tgtEl>
+                    <p:sldTgt/>
+                  </p:tgtEl>
+                </p:cond>
+              </p:nextCondLst>
+            </p:seq>
+          </p:childTnLst>
+        </p:cTn>
+      </p:par>
+    </p:tnLst>
+  </p:timing>
 </p:sld>
 </file>
 
@@ -7208,6 +7978,44 @@
           </a:prstGeom>
         </p:spPr>
       </p:pic>
+      <p:sp>
+        <p:nvSpPr>
+          <p:cNvPr id="5" name="Rectangle 4">
+            <a:extLst>
+              <a:ext uri="{FF2B5EF4-FFF2-40B4-BE49-F238E27FC236}">
+                <a16:creationId xmlns:a16="http://schemas.microsoft.com/office/drawing/2014/main" id="{F3D6A719-F37E-43E2-94D1-92C4F91E4B8E}"/>
+              </a:ext>
+            </a:extLst>
+          </p:cNvPr>
+          <p:cNvSpPr/>
+          <p:nvPr/>
+        </p:nvSpPr>
+        <p:spPr>
+          <a:xfrm>
+            <a:off x="11999478" y="12961719"/>
+            <a:ext cx="385042" cy="523220"/>
+          </a:xfrm>
+          <a:prstGeom prst="rect">
+            <a:avLst/>
+          </a:prstGeom>
+        </p:spPr>
+        <p:txBody>
+          <a:bodyPr wrap="none">
+            <a:spAutoFit/>
+          </a:bodyPr>
+          <a:lstStyle/>
+          <a:p>
+            <a:r>
+              <a:rPr lang="en-US" sz="2800" dirty="0">
+                <a:solidFill>
+                  <a:schemeClr val="bg1"/>
+                </a:solidFill>
+              </a:rPr>
+              <a:t>8</a:t>
+            </a:r>
+          </a:p>
+        </p:txBody>
+      </p:sp>
     </p:spTree>
     <p:extLst>
       <p:ext uri="{BB962C8B-B14F-4D97-AF65-F5344CB8AC3E}">
